--- a/PHY2026/Experiment_4/Final_Report/Exp_1.pptx
+++ b/PHY2026/Experiment_4/Final_Report/Exp_1.pptx
@@ -104,6 +104,11 @@
       </a:defRPr>
     </a:lvl9pPr>
   </p:defaultTextStyle>
+  <p:extLst>
+    <p:ext uri="{EFAFB233-063F-42B5-8137-9DF3F51BA10A}">
+      <p15:sldGuideLst xmlns:p15="http://schemas.microsoft.com/office/powerpoint/2012/main"/>
+    </p:ext>
+  </p:extLst>
 </p:presentation>
 </file>
 
@@ -238,7 +243,7 @@
           <a:p>
             <a:fld id="{E5246459-C4AA-4050-837C-05555D235892}" type="datetimeFigureOut">
               <a:rPr lang="en-GB" smtClean="0"/>
-              <a:t>15/02/2019</a:t>
+              <a:t>23/02/2019</a:t>
             </a:fld>
             <a:endParaRPr lang="en-GB"/>
           </a:p>
@@ -408,7 +413,7 @@
           <a:p>
             <a:fld id="{E5246459-C4AA-4050-837C-05555D235892}" type="datetimeFigureOut">
               <a:rPr lang="en-GB" smtClean="0"/>
-              <a:t>15/02/2019</a:t>
+              <a:t>23/02/2019</a:t>
             </a:fld>
             <a:endParaRPr lang="en-GB"/>
           </a:p>
@@ -588,7 +593,7 @@
           <a:p>
             <a:fld id="{E5246459-C4AA-4050-837C-05555D235892}" type="datetimeFigureOut">
               <a:rPr lang="en-GB" smtClean="0"/>
-              <a:t>15/02/2019</a:t>
+              <a:t>23/02/2019</a:t>
             </a:fld>
             <a:endParaRPr lang="en-GB"/>
           </a:p>
@@ -758,7 +763,7 @@
           <a:p>
             <a:fld id="{E5246459-C4AA-4050-837C-05555D235892}" type="datetimeFigureOut">
               <a:rPr lang="en-GB" smtClean="0"/>
-              <a:t>15/02/2019</a:t>
+              <a:t>23/02/2019</a:t>
             </a:fld>
             <a:endParaRPr lang="en-GB"/>
           </a:p>
@@ -1004,7 +1009,7 @@
           <a:p>
             <a:fld id="{E5246459-C4AA-4050-837C-05555D235892}" type="datetimeFigureOut">
               <a:rPr lang="en-GB" smtClean="0"/>
-              <a:t>15/02/2019</a:t>
+              <a:t>23/02/2019</a:t>
             </a:fld>
             <a:endParaRPr lang="en-GB"/>
           </a:p>
@@ -1236,7 +1241,7 @@
           <a:p>
             <a:fld id="{E5246459-C4AA-4050-837C-05555D235892}" type="datetimeFigureOut">
               <a:rPr lang="en-GB" smtClean="0"/>
-              <a:t>15/02/2019</a:t>
+              <a:t>23/02/2019</a:t>
             </a:fld>
             <a:endParaRPr lang="en-GB"/>
           </a:p>
@@ -1603,7 +1608,7 @@
           <a:p>
             <a:fld id="{E5246459-C4AA-4050-837C-05555D235892}" type="datetimeFigureOut">
               <a:rPr lang="en-GB" smtClean="0"/>
-              <a:t>15/02/2019</a:t>
+              <a:t>23/02/2019</a:t>
             </a:fld>
             <a:endParaRPr lang="en-GB"/>
           </a:p>
@@ -1721,7 +1726,7 @@
           <a:p>
             <a:fld id="{E5246459-C4AA-4050-837C-05555D235892}" type="datetimeFigureOut">
               <a:rPr lang="en-GB" smtClean="0"/>
-              <a:t>15/02/2019</a:t>
+              <a:t>23/02/2019</a:t>
             </a:fld>
             <a:endParaRPr lang="en-GB"/>
           </a:p>
@@ -1816,7 +1821,7 @@
           <a:p>
             <a:fld id="{E5246459-C4AA-4050-837C-05555D235892}" type="datetimeFigureOut">
               <a:rPr lang="en-GB" smtClean="0"/>
-              <a:t>15/02/2019</a:t>
+              <a:t>23/02/2019</a:t>
             </a:fld>
             <a:endParaRPr lang="en-GB"/>
           </a:p>
@@ -2093,7 +2098,7 @@
           <a:p>
             <a:fld id="{E5246459-C4AA-4050-837C-05555D235892}" type="datetimeFigureOut">
               <a:rPr lang="en-GB" smtClean="0"/>
-              <a:t>15/02/2019</a:t>
+              <a:t>23/02/2019</a:t>
             </a:fld>
             <a:endParaRPr lang="en-GB"/>
           </a:p>
@@ -2346,7 +2351,7 @@
           <a:p>
             <a:fld id="{E5246459-C4AA-4050-837C-05555D235892}" type="datetimeFigureOut">
               <a:rPr lang="en-GB" smtClean="0"/>
-              <a:t>15/02/2019</a:t>
+              <a:t>23/02/2019</a:t>
             </a:fld>
             <a:endParaRPr lang="en-GB"/>
           </a:p>
@@ -2559,7 +2564,7 @@
           <a:p>
             <a:fld id="{E5246459-C4AA-4050-837C-05555D235892}" type="datetimeFigureOut">
               <a:rPr lang="en-GB" smtClean="0"/>
-              <a:t>15/02/2019</a:t>
+              <a:t>23/02/2019</a:t>
             </a:fld>
             <a:endParaRPr lang="en-GB"/>
           </a:p>
@@ -3207,6 +3212,123 @@
           </a:p>
         </p:txBody>
       </p:sp>
+      <p:cxnSp>
+        <p:nvCxnSpPr>
+          <p:cNvPr id="10" name="Straight Arrow Connector 9"/>
+          <p:cNvCxnSpPr/>
+          <p:nvPr/>
+        </p:nvCxnSpPr>
+        <p:spPr>
+          <a:xfrm flipH="1" flipV="1">
+            <a:off x="8559114" y="3006811"/>
+            <a:ext cx="32951" cy="288324"/>
+          </a:xfrm>
+          <a:prstGeom prst="straightConnector1">
+            <a:avLst/>
+          </a:prstGeom>
+          <a:ln>
+            <a:solidFill>
+              <a:srgbClr val="FFFF00"/>
+            </a:solidFill>
+            <a:headEnd type="triangle"/>
+            <a:tailEnd type="triangle"/>
+          </a:ln>
+        </p:spPr>
+        <p:style>
+          <a:lnRef idx="1">
+            <a:schemeClr val="accent1"/>
+          </a:lnRef>
+          <a:fillRef idx="0">
+            <a:schemeClr val="accent1"/>
+          </a:fillRef>
+          <a:effectRef idx="0">
+            <a:schemeClr val="accent1"/>
+          </a:effectRef>
+          <a:fontRef idx="minor">
+            <a:schemeClr val="tx1"/>
+          </a:fontRef>
+        </p:style>
+      </p:cxnSp>
+      <p:cxnSp>
+        <p:nvCxnSpPr>
+          <p:cNvPr id="14" name="Straight Arrow Connector 13"/>
+          <p:cNvCxnSpPr/>
+          <p:nvPr/>
+        </p:nvCxnSpPr>
+        <p:spPr>
+          <a:xfrm flipV="1">
+            <a:off x="6159156" y="3142735"/>
+            <a:ext cx="2399958" cy="1692876"/>
+          </a:xfrm>
+          <a:prstGeom prst="straightConnector1">
+            <a:avLst/>
+          </a:prstGeom>
+          <a:ln>
+            <a:solidFill>
+              <a:srgbClr val="FF0000"/>
+            </a:solidFill>
+            <a:tailEnd type="triangle"/>
+          </a:ln>
+        </p:spPr>
+        <p:style>
+          <a:lnRef idx="1">
+            <a:schemeClr val="accent1"/>
+          </a:lnRef>
+          <a:fillRef idx="0">
+            <a:schemeClr val="accent1"/>
+          </a:fillRef>
+          <a:effectRef idx="0">
+            <a:schemeClr val="accent1"/>
+          </a:effectRef>
+          <a:fontRef idx="minor">
+            <a:schemeClr val="tx1"/>
+          </a:fontRef>
+        </p:style>
+      </p:cxnSp>
+      <p:sp>
+        <p:nvSpPr>
+          <p:cNvPr id="16" name="TextBox 15"/>
+          <p:cNvSpPr txBox="1"/>
+          <p:nvPr/>
+        </p:nvSpPr>
+        <p:spPr>
+          <a:xfrm>
+            <a:off x="4708274" y="4714446"/>
+            <a:ext cx="2226962" cy="369332"/>
+          </a:xfrm>
+          <a:prstGeom prst="rect">
+            <a:avLst/>
+          </a:prstGeom>
+          <a:noFill/>
+        </p:spPr>
+        <p:txBody>
+          <a:bodyPr wrap="square" rtlCol="0">
+            <a:spAutoFit/>
+          </a:bodyPr>
+          <a:lstStyle/>
+          <a:p>
+            <a:pPr algn="ctr"/>
+            <a:r>
+              <a:rPr lang="en-GB" dirty="0" smtClean="0">
+                <a:latin typeface="Times New Roman" panose="02020603050405020304" pitchFamily="18" charset="0"/>
+                <a:cs typeface="Times New Roman" panose="02020603050405020304" pitchFamily="18" charset="0"/>
+              </a:rPr>
+              <a:t>Wave </a:t>
+            </a:r>
+            <a:r>
+              <a:rPr lang="en-GB" dirty="0" smtClean="0">
+                <a:latin typeface="Times New Roman" panose="02020603050405020304" pitchFamily="18" charset="0"/>
+                <a:cs typeface="Times New Roman" panose="02020603050405020304" pitchFamily="18" charset="0"/>
+              </a:rPr>
+              <a:t>Length</a:t>
+            </a:r>
+            <a:endParaRPr lang="en-GB" dirty="0">
+              <a:latin typeface="Times New Roman" panose="02020603050405020304" pitchFamily="18" charset="0"/>
+              <a:cs typeface="Times New Roman" panose="02020603050405020304" pitchFamily="18" charset="0"/>
+            </a:endParaRPr>
+          </a:p>
+        </p:txBody>
+      </p:sp>
     </p:spTree>
     <p:extLst>
       <p:ext uri="{BB962C8B-B14F-4D97-AF65-F5344CB8AC3E}">
